--- a/homework/week12/실습내용 캡처.pptx
+++ b/homework/week12/실습내용 캡처.pptx
@@ -7,12 +7,6 @@
   <p:sldIdLst>
     <p:sldId id="256" r:id="rId2"/>
     <p:sldId id="257" r:id="rId3"/>
-    <p:sldId id="258" r:id="rId4"/>
-    <p:sldId id="259" r:id="rId5"/>
-    <p:sldId id="260" r:id="rId6"/>
-    <p:sldId id="261" r:id="rId7"/>
-    <p:sldId id="264" r:id="rId8"/>
-    <p:sldId id="263" r:id="rId9"/>
   </p:sldIdLst>
   <p:sldSz cx="12192000" cy="6858000"/>
   <p:notesSz cx="6858000" cy="9144000"/>
@@ -111,6 +105,11 @@
       </a:defRPr>
     </a:lvl9pPr>
   </p:defaultTextStyle>
+  <p:extLst>
+    <p:ext uri="{EFAFB233-063F-42B5-8137-9DF3F51BA10A}">
+      <p15:sldGuideLst xmlns:p15="http://schemas.microsoft.com/office/powerpoint/2012/main"/>
+    </p:ext>
+  </p:extLst>
 </p:presentation>
 </file>
 
@@ -261,7 +260,7 @@
           <a:p>
             <a:fld id="{C2463C81-14B4-4225-AC45-572D71015C28}" type="datetimeFigureOut">
               <a:rPr lang="ko-KR" altLang="en-US" smtClean="0"/>
-              <a:t>2022-05-18</a:t>
+              <a:t>2022-05-25</a:t>
             </a:fld>
             <a:endParaRPr lang="ko-KR" altLang="en-US"/>
           </a:p>
@@ -459,7 +458,7 @@
           <a:p>
             <a:fld id="{C2463C81-14B4-4225-AC45-572D71015C28}" type="datetimeFigureOut">
               <a:rPr lang="ko-KR" altLang="en-US" smtClean="0"/>
-              <a:t>2022-05-18</a:t>
+              <a:t>2022-05-25</a:t>
             </a:fld>
             <a:endParaRPr lang="ko-KR" altLang="en-US"/>
           </a:p>
@@ -667,7 +666,7 @@
           <a:p>
             <a:fld id="{C2463C81-14B4-4225-AC45-572D71015C28}" type="datetimeFigureOut">
               <a:rPr lang="ko-KR" altLang="en-US" smtClean="0"/>
-              <a:t>2022-05-18</a:t>
+              <a:t>2022-05-25</a:t>
             </a:fld>
             <a:endParaRPr lang="ko-KR" altLang="en-US"/>
           </a:p>
@@ -865,7 +864,7 @@
           <a:p>
             <a:fld id="{C2463C81-14B4-4225-AC45-572D71015C28}" type="datetimeFigureOut">
               <a:rPr lang="ko-KR" altLang="en-US" smtClean="0"/>
-              <a:t>2022-05-18</a:t>
+              <a:t>2022-05-25</a:t>
             </a:fld>
             <a:endParaRPr lang="ko-KR" altLang="en-US"/>
           </a:p>
@@ -1140,7 +1139,7 @@
           <a:p>
             <a:fld id="{C2463C81-14B4-4225-AC45-572D71015C28}" type="datetimeFigureOut">
               <a:rPr lang="ko-KR" altLang="en-US" smtClean="0"/>
-              <a:t>2022-05-18</a:t>
+              <a:t>2022-05-25</a:t>
             </a:fld>
             <a:endParaRPr lang="ko-KR" altLang="en-US"/>
           </a:p>
@@ -1405,7 +1404,7 @@
           <a:p>
             <a:fld id="{C2463C81-14B4-4225-AC45-572D71015C28}" type="datetimeFigureOut">
               <a:rPr lang="ko-KR" altLang="en-US" smtClean="0"/>
-              <a:t>2022-05-18</a:t>
+              <a:t>2022-05-25</a:t>
             </a:fld>
             <a:endParaRPr lang="ko-KR" altLang="en-US"/>
           </a:p>
@@ -1817,7 +1816,7 @@
           <a:p>
             <a:fld id="{C2463C81-14B4-4225-AC45-572D71015C28}" type="datetimeFigureOut">
               <a:rPr lang="ko-KR" altLang="en-US" smtClean="0"/>
-              <a:t>2022-05-18</a:t>
+              <a:t>2022-05-25</a:t>
             </a:fld>
             <a:endParaRPr lang="ko-KR" altLang="en-US"/>
           </a:p>
@@ -1958,7 +1957,7 @@
           <a:p>
             <a:fld id="{C2463C81-14B4-4225-AC45-572D71015C28}" type="datetimeFigureOut">
               <a:rPr lang="ko-KR" altLang="en-US" smtClean="0"/>
-              <a:t>2022-05-18</a:t>
+              <a:t>2022-05-25</a:t>
             </a:fld>
             <a:endParaRPr lang="ko-KR" altLang="en-US"/>
           </a:p>
@@ -2071,7 +2070,7 @@
           <a:p>
             <a:fld id="{C2463C81-14B4-4225-AC45-572D71015C28}" type="datetimeFigureOut">
               <a:rPr lang="ko-KR" altLang="en-US" smtClean="0"/>
-              <a:t>2022-05-18</a:t>
+              <a:t>2022-05-25</a:t>
             </a:fld>
             <a:endParaRPr lang="ko-KR" altLang="en-US"/>
           </a:p>
@@ -2382,7 +2381,7 @@
           <a:p>
             <a:fld id="{C2463C81-14B4-4225-AC45-572D71015C28}" type="datetimeFigureOut">
               <a:rPr lang="ko-KR" altLang="en-US" smtClean="0"/>
-              <a:t>2022-05-18</a:t>
+              <a:t>2022-05-25</a:t>
             </a:fld>
             <a:endParaRPr lang="ko-KR" altLang="en-US"/>
           </a:p>
@@ -2670,7 +2669,7 @@
           <a:p>
             <a:fld id="{C2463C81-14B4-4225-AC45-572D71015C28}" type="datetimeFigureOut">
               <a:rPr lang="ko-KR" altLang="en-US" smtClean="0"/>
-              <a:t>2022-05-18</a:t>
+              <a:t>2022-05-25</a:t>
             </a:fld>
             <a:endParaRPr lang="ko-KR" altLang="en-US"/>
           </a:p>
@@ -2911,7 +2910,7 @@
           <a:p>
             <a:fld id="{C2463C81-14B4-4225-AC45-572D71015C28}" type="datetimeFigureOut">
               <a:rPr lang="ko-KR" altLang="en-US" smtClean="0"/>
-              <a:t>2022-05-18</a:t>
+              <a:t>2022-05-25</a:t>
             </a:fld>
             <a:endParaRPr lang="ko-KR" altLang="en-US"/>
           </a:p>
@@ -3330,10 +3329,10 @@
       </p:grpSpPr>
       <p:pic>
         <p:nvPicPr>
-          <p:cNvPr id="7" name="그림 6">
-            <a:extLst>
-              <a:ext uri="{FF2B5EF4-FFF2-40B4-BE49-F238E27FC236}">
-                <a16:creationId xmlns:a16="http://schemas.microsoft.com/office/drawing/2014/main" id="{B17AF964-1517-A23C-5022-D72134B3D671}"/>
+          <p:cNvPr id="5" name="그림 4">
+            <a:extLst>
+              <a:ext uri="{FF2B5EF4-FFF2-40B4-BE49-F238E27FC236}">
+                <a16:creationId xmlns:a16="http://schemas.microsoft.com/office/drawing/2014/main" id="{8DA5368A-5528-505A-FD7E-CA7ADDA7A5E0}"/>
               </a:ext>
             </a:extLst>
           </p:cNvPr>
@@ -3343,21 +3342,15 @@
           <p:nvPr/>
         </p:nvPicPr>
         <p:blipFill>
-          <a:blip r:embed="rId2">
-            <a:extLst>
-              <a:ext uri="{28A0092B-C50C-407E-A947-70E740481C1C}">
-                <a14:useLocalDpi xmlns:a14="http://schemas.microsoft.com/office/drawing/2010/main" val="0"/>
-              </a:ext>
-            </a:extLst>
-          </a:blip>
+          <a:blip r:embed="rId2"/>
           <a:stretch>
             <a:fillRect/>
           </a:stretch>
         </p:blipFill>
         <p:spPr>
           <a:xfrm>
-            <a:off x="2308532" y="2392590"/>
-            <a:ext cx="7574936" cy="2072820"/>
+            <a:off x="1681053" y="0"/>
+            <a:ext cx="8829893" cy="6858000"/>
           </a:xfrm>
           <a:prstGeom prst="rect">
             <a:avLst/>
@@ -3367,7 +3360,7 @@
     </p:spTree>
     <p:extLst>
       <p:ext uri="{BB962C8B-B14F-4D97-AF65-F5344CB8AC3E}">
-        <p14:creationId xmlns:p14="http://schemas.microsoft.com/office/powerpoint/2010/main" val="465675822"/>
+        <p14:creationId xmlns:p14="http://schemas.microsoft.com/office/powerpoint/2010/main" val="339471085"/>
       </p:ext>
     </p:extLst>
   </p:cSld>
@@ -3396,142 +3389,10 @@
       </p:grpSpPr>
       <p:pic>
         <p:nvPicPr>
-          <p:cNvPr id="4" name="그림 3" descr="텍스트이(가) 표시된 사진&#10;&#10;자동 생성된 설명">
-            <a:extLst>
-              <a:ext uri="{FF2B5EF4-FFF2-40B4-BE49-F238E27FC236}">
-                <a16:creationId xmlns:a16="http://schemas.microsoft.com/office/drawing/2014/main" id="{5A21CCD0-3E2F-BFA7-A26A-6E295C6F8D24}"/>
-              </a:ext>
-            </a:extLst>
-          </p:cNvPr>
-          <p:cNvPicPr>
-            <a:picLocks noChangeAspect="1"/>
-          </p:cNvPicPr>
-          <p:nvPr/>
-        </p:nvPicPr>
-        <p:blipFill>
-          <a:blip r:embed="rId2">
-            <a:extLst>
-              <a:ext uri="{28A0092B-C50C-407E-A947-70E740481C1C}">
-                <a14:useLocalDpi xmlns:a14="http://schemas.microsoft.com/office/drawing/2010/main" val="0"/>
-              </a:ext>
-            </a:extLst>
-          </a:blip>
-          <a:stretch>
-            <a:fillRect/>
-          </a:stretch>
-        </p:blipFill>
-        <p:spPr>
-          <a:xfrm>
-            <a:off x="1089226" y="1036112"/>
-            <a:ext cx="10013548" cy="4785775"/>
-          </a:xfrm>
-          <a:prstGeom prst="rect">
-            <a:avLst/>
-          </a:prstGeom>
-        </p:spPr>
-      </p:pic>
-    </p:spTree>
-    <p:extLst>
-      <p:ext uri="{BB962C8B-B14F-4D97-AF65-F5344CB8AC3E}">
-        <p14:creationId xmlns:p14="http://schemas.microsoft.com/office/powerpoint/2010/main" val="2589860500"/>
-      </p:ext>
-    </p:extLst>
-  </p:cSld>
-  <p:clrMapOvr>
-    <a:masterClrMapping/>
-  </p:clrMapOvr>
-</p:sld>
-</file>
-
-<file path=ppt/slides/slide3.xml><?xml version="1.0" encoding="utf-8"?>
-<p:sld xmlns:a="http://schemas.openxmlformats.org/drawingml/2006/main" xmlns:r="http://schemas.openxmlformats.org/officeDocument/2006/relationships" xmlns:p="http://schemas.openxmlformats.org/presentationml/2006/main">
-  <p:cSld>
-    <p:spTree>
-      <p:nvGrpSpPr>
-        <p:cNvPr id="1" name=""/>
-        <p:cNvGrpSpPr/>
-        <p:nvPr/>
-      </p:nvGrpSpPr>
-      <p:grpSpPr>
-        <a:xfrm>
-          <a:off x="0" y="0"/>
-          <a:ext cx="0" cy="0"/>
-          <a:chOff x="0" y="0"/>
-          <a:chExt cx="0" cy="0"/>
-        </a:xfrm>
-      </p:grpSpPr>
-      <p:pic>
-        <p:nvPicPr>
-          <p:cNvPr id="4" name="그림 3" descr="텍스트이(가) 표시된 사진&#10;&#10;자동 생성된 설명">
-            <a:extLst>
-              <a:ext uri="{FF2B5EF4-FFF2-40B4-BE49-F238E27FC236}">
-                <a16:creationId xmlns:a16="http://schemas.microsoft.com/office/drawing/2014/main" id="{73F6E9F5-4ADB-2492-3F6B-B87D3832D712}"/>
-              </a:ext>
-            </a:extLst>
-          </p:cNvPr>
-          <p:cNvPicPr>
-            <a:picLocks noChangeAspect="1"/>
-          </p:cNvPicPr>
-          <p:nvPr/>
-        </p:nvPicPr>
-        <p:blipFill>
-          <a:blip r:embed="rId2">
-            <a:extLst>
-              <a:ext uri="{28A0092B-C50C-407E-A947-70E740481C1C}">
-                <a14:useLocalDpi xmlns:a14="http://schemas.microsoft.com/office/drawing/2010/main" val="0"/>
-              </a:ext>
-            </a:extLst>
-          </a:blip>
-          <a:stretch>
-            <a:fillRect/>
-          </a:stretch>
-        </p:blipFill>
-        <p:spPr>
-          <a:xfrm>
-            <a:off x="1142570" y="1047543"/>
-            <a:ext cx="9906859" cy="4762913"/>
-          </a:xfrm>
-          <a:prstGeom prst="rect">
-            <a:avLst/>
-          </a:prstGeom>
-        </p:spPr>
-      </p:pic>
-    </p:spTree>
-    <p:extLst>
-      <p:ext uri="{BB962C8B-B14F-4D97-AF65-F5344CB8AC3E}">
-        <p14:creationId xmlns:p14="http://schemas.microsoft.com/office/powerpoint/2010/main" val="2629837422"/>
-      </p:ext>
-    </p:extLst>
-  </p:cSld>
-  <p:clrMapOvr>
-    <a:masterClrMapping/>
-  </p:clrMapOvr>
-</p:sld>
-</file>
-
-<file path=ppt/slides/slide4.xml><?xml version="1.0" encoding="utf-8"?>
-<p:sld xmlns:a="http://schemas.openxmlformats.org/drawingml/2006/main" xmlns:r="http://schemas.openxmlformats.org/officeDocument/2006/relationships" xmlns:p="http://schemas.openxmlformats.org/presentationml/2006/main">
-  <p:cSld>
-    <p:spTree>
-      <p:nvGrpSpPr>
-        <p:cNvPr id="1" name=""/>
-        <p:cNvGrpSpPr/>
-        <p:nvPr/>
-      </p:nvGrpSpPr>
-      <p:grpSpPr>
-        <a:xfrm>
-          <a:off x="0" y="0"/>
-          <a:ext cx="0" cy="0"/>
-          <a:chOff x="0" y="0"/>
-          <a:chExt cx="0" cy="0"/>
-        </a:xfrm>
-      </p:grpSpPr>
-      <p:pic>
-        <p:nvPicPr>
-          <p:cNvPr id="5" name="그림 4">
-            <a:extLst>
-              <a:ext uri="{FF2B5EF4-FFF2-40B4-BE49-F238E27FC236}">
-                <a16:creationId xmlns:a16="http://schemas.microsoft.com/office/drawing/2014/main" id="{2550CC8B-FF68-C409-D2C6-A3D5D76099B2}"/>
+          <p:cNvPr id="3" name="그림 2">
+            <a:extLst>
+              <a:ext uri="{FF2B5EF4-FFF2-40B4-BE49-F238E27FC236}">
+                <a16:creationId xmlns:a16="http://schemas.microsoft.com/office/drawing/2014/main" id="{09AD2123-E0C1-CCEA-38CD-DA8E412F2C55}"/>
               </a:ext>
             </a:extLst>
           </p:cNvPr>
@@ -3548,90 +3409,30 @@
         </p:blipFill>
         <p:spPr>
           <a:xfrm>
-            <a:off x="1867707" y="0"/>
-            <a:ext cx="8456585" cy="6858000"/>
+            <a:off x="3510643" y="0"/>
+            <a:ext cx="5170714" cy="6858000"/>
           </a:xfrm>
           <a:prstGeom prst="rect">
             <a:avLst/>
           </a:prstGeom>
         </p:spPr>
       </p:pic>
-    </p:spTree>
-    <p:extLst>
-      <p:ext uri="{BB962C8B-B14F-4D97-AF65-F5344CB8AC3E}">
-        <p14:creationId xmlns:p14="http://schemas.microsoft.com/office/powerpoint/2010/main" val="156768891"/>
-      </p:ext>
-    </p:extLst>
-  </p:cSld>
-  <p:clrMapOvr>
-    <a:masterClrMapping/>
-  </p:clrMapOvr>
-</p:sld>
-</file>
-
-<file path=ppt/slides/slide5.xml><?xml version="1.0" encoding="utf-8"?>
-<p:sld xmlns:a="http://schemas.openxmlformats.org/drawingml/2006/main" xmlns:r="http://schemas.openxmlformats.org/officeDocument/2006/relationships" xmlns:p="http://schemas.openxmlformats.org/presentationml/2006/main">
-  <p:cSld>
-    <p:spTree>
-      <p:nvGrpSpPr>
-        <p:cNvPr id="1" name=""/>
-        <p:cNvGrpSpPr/>
-        <p:nvPr/>
-      </p:nvGrpSpPr>
-      <p:grpSpPr>
-        <a:xfrm>
-          <a:off x="0" y="0"/>
-          <a:ext cx="0" cy="0"/>
-          <a:chOff x="0" y="0"/>
-          <a:chExt cx="0" cy="0"/>
-        </a:xfrm>
-      </p:grpSpPr>
-      <p:pic>
-        <p:nvPicPr>
-          <p:cNvPr id="5" name="그림 4">
-            <a:extLst>
-              <a:ext uri="{FF2B5EF4-FFF2-40B4-BE49-F238E27FC236}">
-                <a16:creationId xmlns:a16="http://schemas.microsoft.com/office/drawing/2014/main" id="{38F62FA6-76C1-EB64-C41C-23E76F4753F7}"/>
-              </a:ext>
-            </a:extLst>
-          </p:cNvPr>
-          <p:cNvPicPr>
-            <a:picLocks noChangeAspect="1"/>
-          </p:cNvPicPr>
+      <p:sp>
+        <p:nvSpPr>
+          <p:cNvPr id="4" name="TextBox 3">
+            <a:extLst>
+              <a:ext uri="{FF2B5EF4-FFF2-40B4-BE49-F238E27FC236}">
+                <a16:creationId xmlns:a16="http://schemas.microsoft.com/office/drawing/2014/main" id="{2E978977-92C5-C81E-9934-A03E83E9E49B}"/>
+              </a:ext>
+            </a:extLst>
+          </p:cNvPr>
+          <p:cNvSpPr txBox="1"/>
           <p:nvPr/>
-        </p:nvPicPr>
-        <p:blipFill>
-          <a:blip r:embed="rId2"/>
-          <a:stretch>
-            <a:fillRect/>
-          </a:stretch>
-        </p:blipFill>
+        </p:nvSpPr>
         <p:spPr>
           <a:xfrm>
-            <a:off x="1204912" y="2190750"/>
-            <a:ext cx="9782175" cy="2476500"/>
-          </a:xfrm>
-          <a:prstGeom prst="rect">
-            <a:avLst/>
-          </a:prstGeom>
-        </p:spPr>
-      </p:pic>
-      <p:sp>
-        <p:nvSpPr>
-          <p:cNvPr id="6" name="TextBox 5">
-            <a:extLst>
-              <a:ext uri="{FF2B5EF4-FFF2-40B4-BE49-F238E27FC236}">
-                <a16:creationId xmlns:a16="http://schemas.microsoft.com/office/drawing/2014/main" id="{66FA0421-1804-13ED-12A7-AFF50A24A3B8}"/>
-              </a:ext>
-            </a:extLst>
-          </p:cNvPr>
-          <p:cNvSpPr txBox="1"/>
-          <p:nvPr/>
-        </p:nvSpPr>
-        <p:spPr>
-          <a:xfrm>
-            <a:off x="1204912" y="1821418"/>
-            <a:ext cx="3985386" cy="369332"/>
+            <a:off x="8588188" y="1801906"/>
+            <a:ext cx="3118161" cy="923330"/>
           </a:xfrm>
           <a:prstGeom prst="rect">
             <a:avLst/>
@@ -3645,16 +3446,24 @@
           <a:lstStyle/>
           <a:p>
             <a:r>
-              <a:rPr lang="en-US" altLang="ko-KR" dirty="0"/>
-              <a:t>&lt;</a:t>
-            </a:r>
-            <a:r>
               <a:rPr lang="ko-KR" altLang="en-US" dirty="0"/>
-              <a:t>카카오톡 계정으로 로그인한 경우</a:t>
-            </a:r>
-            <a:r>
-              <a:rPr lang="en-US" altLang="ko-KR" dirty="0"/>
-              <a:t>&gt;</a:t>
+              <a:t>애플이라는 태그를 검색하면</a:t>
+            </a:r>
+            <a:endParaRPr lang="en-US" altLang="ko-KR" dirty="0"/>
+          </a:p>
+          <a:p>
+            <a:r>
+              <a:rPr lang="ko-KR" altLang="en-US" dirty="0"/>
+              <a:t>애플 관련 게시글이 나타남</a:t>
+            </a:r>
+            <a:endParaRPr lang="en-US" altLang="ko-KR" dirty="0"/>
+          </a:p>
+          <a:p>
+            <a:r>
+              <a:rPr lang="en-US" altLang="ko-KR" dirty="0">
+                <a:sym typeface="Wingdings" panose="05000000000000000000" pitchFamily="2" charset="2"/>
+              </a:rPr>
+              <a:t></a:t>
             </a:r>
             <a:endParaRPr lang="ko-KR" altLang="en-US" dirty="0"/>
           </a:p>
@@ -3663,335 +3472,7 @@
     </p:spTree>
     <p:extLst>
       <p:ext uri="{BB962C8B-B14F-4D97-AF65-F5344CB8AC3E}">
-        <p14:creationId xmlns:p14="http://schemas.microsoft.com/office/powerpoint/2010/main" val="1202556394"/>
-      </p:ext>
-    </p:extLst>
-  </p:cSld>
-  <p:clrMapOvr>
-    <a:masterClrMapping/>
-  </p:clrMapOvr>
-</p:sld>
-</file>
-
-<file path=ppt/slides/slide6.xml><?xml version="1.0" encoding="utf-8"?>
-<p:sld xmlns:a="http://schemas.openxmlformats.org/drawingml/2006/main" xmlns:r="http://schemas.openxmlformats.org/officeDocument/2006/relationships" xmlns:p="http://schemas.openxmlformats.org/presentationml/2006/main">
-  <p:cSld>
-    <p:spTree>
-      <p:nvGrpSpPr>
-        <p:cNvPr id="1" name=""/>
-        <p:cNvGrpSpPr/>
-        <p:nvPr/>
-      </p:nvGrpSpPr>
-      <p:grpSpPr>
-        <a:xfrm>
-          <a:off x="0" y="0"/>
-          <a:ext cx="0" cy="0"/>
-          <a:chOff x="0" y="0"/>
-          <a:chExt cx="0" cy="0"/>
-        </a:xfrm>
-      </p:grpSpPr>
-      <p:pic>
-        <p:nvPicPr>
-          <p:cNvPr id="3" name="그림 2">
-            <a:extLst>
-              <a:ext uri="{FF2B5EF4-FFF2-40B4-BE49-F238E27FC236}">
-                <a16:creationId xmlns:a16="http://schemas.microsoft.com/office/drawing/2014/main" id="{18387D40-B4F6-F3ED-93A4-C58A10AF2A5C}"/>
-              </a:ext>
-            </a:extLst>
-          </p:cNvPr>
-          <p:cNvPicPr>
-            <a:picLocks noChangeAspect="1"/>
-          </p:cNvPicPr>
-          <p:nvPr/>
-        </p:nvPicPr>
-        <p:blipFill>
-          <a:blip r:embed="rId2"/>
-          <a:stretch>
-            <a:fillRect/>
-          </a:stretch>
-        </p:blipFill>
-        <p:spPr>
-          <a:xfrm>
-            <a:off x="1266825" y="2214562"/>
-            <a:ext cx="9658350" cy="2428875"/>
-          </a:xfrm>
-          <a:prstGeom prst="rect">
-            <a:avLst/>
-          </a:prstGeom>
-        </p:spPr>
-      </p:pic>
-      <p:sp>
-        <p:nvSpPr>
-          <p:cNvPr id="4" name="TextBox 3">
-            <a:extLst>
-              <a:ext uri="{FF2B5EF4-FFF2-40B4-BE49-F238E27FC236}">
-                <a16:creationId xmlns:a16="http://schemas.microsoft.com/office/drawing/2014/main" id="{DD5C3536-2E46-7FD2-AEBB-C28C4C2701F2}"/>
-              </a:ext>
-            </a:extLst>
-          </p:cNvPr>
-          <p:cNvSpPr txBox="1"/>
-          <p:nvPr/>
-        </p:nvSpPr>
-        <p:spPr>
-          <a:xfrm>
-            <a:off x="1266825" y="1845230"/>
-            <a:ext cx="4447051" cy="369332"/>
-          </a:xfrm>
-          <a:prstGeom prst="rect">
-            <a:avLst/>
-          </a:prstGeom>
-          <a:noFill/>
-        </p:spPr>
-        <p:txBody>
-          <a:bodyPr wrap="none" rtlCol="0">
-            <a:spAutoFit/>
-          </a:bodyPr>
-          <a:lstStyle/>
-          <a:p>
-            <a:r>
-              <a:rPr lang="en-US" altLang="ko-KR" dirty="0"/>
-              <a:t>&lt;</a:t>
-            </a:r>
-            <a:r>
-              <a:rPr lang="ko-KR" altLang="en-US" dirty="0"/>
-              <a:t>로컬환경에서 가입하여 로그인한 경우</a:t>
-            </a:r>
-            <a:r>
-              <a:rPr lang="en-US" altLang="ko-KR" dirty="0"/>
-              <a:t>&gt;</a:t>
-            </a:r>
-            <a:endParaRPr lang="ko-KR" altLang="en-US" dirty="0"/>
-          </a:p>
-        </p:txBody>
-      </p:sp>
-    </p:spTree>
-    <p:extLst>
-      <p:ext uri="{BB962C8B-B14F-4D97-AF65-F5344CB8AC3E}">
-        <p14:creationId xmlns:p14="http://schemas.microsoft.com/office/powerpoint/2010/main" val="559586613"/>
-      </p:ext>
-    </p:extLst>
-  </p:cSld>
-  <p:clrMapOvr>
-    <a:masterClrMapping/>
-  </p:clrMapOvr>
-</p:sld>
-</file>
-
-<file path=ppt/slides/slide7.xml><?xml version="1.0" encoding="utf-8"?>
-<p:sld xmlns:a="http://schemas.openxmlformats.org/drawingml/2006/main" xmlns:r="http://schemas.openxmlformats.org/officeDocument/2006/relationships" xmlns:p="http://schemas.openxmlformats.org/presentationml/2006/main">
-  <p:cSld>
-    <p:spTree>
-      <p:nvGrpSpPr>
-        <p:cNvPr id="1" name=""/>
-        <p:cNvGrpSpPr/>
-        <p:nvPr/>
-      </p:nvGrpSpPr>
-      <p:grpSpPr>
-        <a:xfrm>
-          <a:off x="0" y="0"/>
-          <a:ext cx="0" cy="0"/>
-          <a:chOff x="0" y="0"/>
-          <a:chExt cx="0" cy="0"/>
-        </a:xfrm>
-      </p:grpSpPr>
-      <p:pic>
-        <p:nvPicPr>
-          <p:cNvPr id="3" name="그림 2">
-            <a:extLst>
-              <a:ext uri="{FF2B5EF4-FFF2-40B4-BE49-F238E27FC236}">
-                <a16:creationId xmlns:a16="http://schemas.microsoft.com/office/drawing/2014/main" id="{FF20610F-79C2-249D-0498-441385CDF0FC}"/>
-              </a:ext>
-            </a:extLst>
-          </p:cNvPr>
-          <p:cNvPicPr>
-            <a:picLocks noChangeAspect="1"/>
-          </p:cNvPicPr>
-          <p:nvPr/>
-        </p:nvPicPr>
-        <p:blipFill>
-          <a:blip r:embed="rId2"/>
-          <a:stretch>
-            <a:fillRect/>
-          </a:stretch>
-        </p:blipFill>
-        <p:spPr>
-          <a:xfrm>
-            <a:off x="0" y="280012"/>
-            <a:ext cx="12192000" cy="6297976"/>
-          </a:xfrm>
-          <a:prstGeom prst="rect">
-            <a:avLst/>
-          </a:prstGeom>
-        </p:spPr>
-      </p:pic>
-      <p:sp>
-        <p:nvSpPr>
-          <p:cNvPr id="5" name="TextBox 4">
-            <a:extLst>
-              <a:ext uri="{FF2B5EF4-FFF2-40B4-BE49-F238E27FC236}">
-                <a16:creationId xmlns:a16="http://schemas.microsoft.com/office/drawing/2014/main" id="{2930A95D-5A78-6629-2245-3509EF115761}"/>
-              </a:ext>
-            </a:extLst>
-          </p:cNvPr>
-          <p:cNvSpPr txBox="1"/>
-          <p:nvPr/>
-        </p:nvSpPr>
-        <p:spPr>
-          <a:xfrm>
-            <a:off x="71718" y="0"/>
-            <a:ext cx="6096000" cy="369332"/>
-          </a:xfrm>
-          <a:prstGeom prst="rect">
-            <a:avLst/>
-          </a:prstGeom>
-          <a:noFill/>
-        </p:spPr>
-        <p:txBody>
-          <a:bodyPr wrap="square">
-            <a:spAutoFit/>
-          </a:bodyPr>
-          <a:lstStyle/>
-          <a:p>
-            <a:r>
-              <a:rPr lang="en-US" altLang="ko-KR"/>
-              <a:t>&lt;</a:t>
-            </a:r>
-            <a:r>
-              <a:rPr lang="ko-KR" altLang="en-US" dirty="0"/>
-              <a:t>카카오 </a:t>
-            </a:r>
-            <a:r>
-              <a:rPr lang="en-US" altLang="ko-KR" dirty="0"/>
-              <a:t>- </a:t>
-            </a:r>
-            <a:r>
-              <a:rPr lang="ko-KR" altLang="en-US" dirty="0"/>
-              <a:t>이미지 적용할 수 없습니다</a:t>
-            </a:r>
-            <a:r>
-              <a:rPr lang="en-US" altLang="ko-KR" dirty="0"/>
-              <a:t>.&gt;</a:t>
-            </a:r>
-            <a:endParaRPr lang="ko-KR" altLang="en-US" dirty="0"/>
-          </a:p>
-        </p:txBody>
-      </p:sp>
-    </p:spTree>
-    <p:extLst>
-      <p:ext uri="{BB962C8B-B14F-4D97-AF65-F5344CB8AC3E}">
-        <p14:creationId xmlns:p14="http://schemas.microsoft.com/office/powerpoint/2010/main" val="351966390"/>
-      </p:ext>
-    </p:extLst>
-  </p:cSld>
-  <p:clrMapOvr>
-    <a:masterClrMapping/>
-  </p:clrMapOvr>
-</p:sld>
-</file>
-
-<file path=ppt/slides/slide8.xml><?xml version="1.0" encoding="utf-8"?>
-<p:sld xmlns:a="http://schemas.openxmlformats.org/drawingml/2006/main" xmlns:r="http://schemas.openxmlformats.org/officeDocument/2006/relationships" xmlns:p="http://schemas.openxmlformats.org/presentationml/2006/main">
-  <p:cSld>
-    <p:spTree>
-      <p:nvGrpSpPr>
-        <p:cNvPr id="1" name=""/>
-        <p:cNvGrpSpPr/>
-        <p:nvPr/>
-      </p:nvGrpSpPr>
-      <p:grpSpPr>
-        <a:xfrm>
-          <a:off x="0" y="0"/>
-          <a:ext cx="0" cy="0"/>
-          <a:chOff x="0" y="0"/>
-          <a:chExt cx="0" cy="0"/>
-        </a:xfrm>
-      </p:grpSpPr>
-      <p:pic>
-        <p:nvPicPr>
-          <p:cNvPr id="3" name="그림 2">
-            <a:extLst>
-              <a:ext uri="{FF2B5EF4-FFF2-40B4-BE49-F238E27FC236}">
-                <a16:creationId xmlns:a16="http://schemas.microsoft.com/office/drawing/2014/main" id="{8061BEC0-7161-08A6-913D-71796F794B9C}"/>
-              </a:ext>
-            </a:extLst>
-          </p:cNvPr>
-          <p:cNvPicPr>
-            <a:picLocks noChangeAspect="1"/>
-          </p:cNvPicPr>
-          <p:nvPr/>
-        </p:nvPicPr>
-        <p:blipFill>
-          <a:blip r:embed="rId2"/>
-          <a:stretch>
-            <a:fillRect/>
-          </a:stretch>
-        </p:blipFill>
-        <p:spPr>
-          <a:xfrm>
-            <a:off x="0" y="622110"/>
-            <a:ext cx="12192000" cy="5613779"/>
-          </a:xfrm>
-          <a:prstGeom prst="rect">
-            <a:avLst/>
-          </a:prstGeom>
-        </p:spPr>
-      </p:pic>
-      <p:sp>
-        <p:nvSpPr>
-          <p:cNvPr id="4" name="TextBox 3">
-            <a:extLst>
-              <a:ext uri="{FF2B5EF4-FFF2-40B4-BE49-F238E27FC236}">
-                <a16:creationId xmlns:a16="http://schemas.microsoft.com/office/drawing/2014/main" id="{C1BBD31C-32A9-210F-6CDB-D2F5ED8558C1}"/>
-              </a:ext>
-            </a:extLst>
-          </p:cNvPr>
-          <p:cNvSpPr txBox="1"/>
-          <p:nvPr/>
-        </p:nvSpPr>
-        <p:spPr>
-          <a:xfrm>
-            <a:off x="146237" y="252778"/>
-            <a:ext cx="4063933" cy="369332"/>
-          </a:xfrm>
-          <a:prstGeom prst="rect">
-            <a:avLst/>
-          </a:prstGeom>
-          <a:noFill/>
-        </p:spPr>
-        <p:txBody>
-          <a:bodyPr wrap="none" rtlCol="0">
-            <a:spAutoFit/>
-          </a:bodyPr>
-          <a:lstStyle/>
-          <a:p>
-            <a:r>
-              <a:rPr lang="en-US" altLang="ko-KR" dirty="0"/>
-              <a:t>&lt;</a:t>
-            </a:r>
-            <a:r>
-              <a:rPr lang="ko-KR" altLang="en-US" dirty="0"/>
-              <a:t>로컬 </a:t>
-            </a:r>
-            <a:r>
-              <a:rPr lang="en-US" altLang="ko-KR" dirty="0"/>
-              <a:t>- </a:t>
-            </a:r>
-            <a:r>
-              <a:rPr lang="ko-KR" altLang="en-US" dirty="0"/>
-              <a:t>이미지 적용할 수 없습니다</a:t>
-            </a:r>
-            <a:r>
-              <a:rPr lang="en-US" altLang="ko-KR" dirty="0"/>
-              <a:t>.&gt;</a:t>
-            </a:r>
-            <a:endParaRPr lang="ko-KR" altLang="en-US" dirty="0"/>
-          </a:p>
-        </p:txBody>
-      </p:sp>
-    </p:spTree>
-    <p:extLst>
-      <p:ext uri="{BB962C8B-B14F-4D97-AF65-F5344CB8AC3E}">
-        <p14:creationId xmlns:p14="http://schemas.microsoft.com/office/powerpoint/2010/main" val="567308261"/>
+        <p14:creationId xmlns:p14="http://schemas.microsoft.com/office/powerpoint/2010/main" val="3864419455"/>
       </p:ext>
     </p:extLst>
   </p:cSld>
